--- a/jamal shooting simulator.pptx
+++ b/jamal shooting simulator.pptx
@@ -11,6 +11,10 @@
     <p:sldId id="259" r:id="rId5"/>
     <p:sldId id="260" r:id="rId6"/>
     <p:sldId id="261" r:id="rId7"/>
+    <p:sldId id="263" r:id="rId8"/>
+    <p:sldId id="262" r:id="rId9"/>
+    <p:sldId id="265" r:id="rId10"/>
+    <p:sldId id="264" r:id="rId11"/>
   </p:sldIdLst>
   <p:sldSz cx="12192000" cy="6858000"/>
   <p:notesSz cx="6858000" cy="9144000"/>
@@ -7654,22 +7658,14 @@
           <a:lstStyle/>
           <a:p>
             <a:r>
-              <a:rPr lang="en-US" dirty="0" smtClean="0"/>
-              <a:t>Pew </a:t>
-            </a:r>
-            <a:r>
-              <a:rPr lang="en-US" dirty="0" err="1" smtClean="0"/>
-              <a:t>Pew</a:t>
-            </a:r>
-            <a:r>
-              <a:rPr lang="en-US" dirty="0"/>
-              <a:t> </a:t>
-            </a:r>
-            <a:r>
-              <a:rPr lang="en-US" dirty="0" smtClean="0"/>
-              <a:t>Shooter</a:t>
-            </a:r>
-            <a:endParaRPr lang="en-US" dirty="0"/>
+              <a:rPr lang="en-US" dirty="0" smtClean="0">
+                <a:latin typeface="Comic Sans MS" panose="030F0702030302020204" pitchFamily="66" charset="0"/>
+              </a:rPr>
+              <a:t>Shoot Out</a:t>
+            </a:r>
+            <a:endParaRPr lang="en-US" dirty="0">
+              <a:latin typeface="Comic Sans MS" panose="030F0702030302020204" pitchFamily="66" charset="0"/>
+            </a:endParaRPr>
           </a:p>
         </p:txBody>
       </p:sp>
@@ -7677,6 +7673,110 @@
     <p:extLst>
       <p:ext uri="{BB962C8B-B14F-4D97-AF65-F5344CB8AC3E}">
         <p14:creationId xmlns:p14="http://schemas.microsoft.com/office/powerpoint/2010/main" val="3117405701"/>
+      </p:ext>
+    </p:extLst>
+  </p:cSld>
+  <p:clrMapOvr>
+    <a:masterClrMapping/>
+  </p:clrMapOvr>
+</p:sld>
+</file>
+
+<file path=ppt/slides/slide10.xml><?xml version="1.0" encoding="utf-8"?>
+<p:sld xmlns:a="http://schemas.openxmlformats.org/drawingml/2006/main" xmlns:r="http://schemas.openxmlformats.org/officeDocument/2006/relationships" xmlns:p="http://schemas.openxmlformats.org/presentationml/2006/main">
+  <p:cSld>
+    <p:spTree>
+      <p:nvGrpSpPr>
+        <p:cNvPr id="1" name=""/>
+        <p:cNvGrpSpPr/>
+        <p:nvPr/>
+      </p:nvGrpSpPr>
+      <p:grpSpPr>
+        <a:xfrm>
+          <a:off x="0" y="0"/>
+          <a:ext cx="0" cy="0"/>
+          <a:chOff x="0" y="0"/>
+          <a:chExt cx="0" cy="0"/>
+        </a:xfrm>
+      </p:grpSpPr>
+      <p:sp>
+        <p:nvSpPr>
+          <p:cNvPr id="2" name="TextBox 1"/>
+          <p:cNvSpPr txBox="1"/>
+          <p:nvPr/>
+        </p:nvSpPr>
+        <p:spPr>
+          <a:xfrm>
+            <a:off x="3690849" y="374074"/>
+            <a:ext cx="4131427" cy="646331"/>
+          </a:xfrm>
+          <a:prstGeom prst="rect">
+            <a:avLst/>
+          </a:prstGeom>
+          <a:noFill/>
+        </p:spPr>
+        <p:txBody>
+          <a:bodyPr wrap="square" rtlCol="0">
+            <a:spAutoFit/>
+          </a:bodyPr>
+          <a:lstStyle/>
+          <a:p>
+            <a:pPr algn="ctr"/>
+            <a:r>
+              <a:rPr lang="en-US" sz="3600" u="sng" dirty="0" smtClean="0">
+                <a:latin typeface="Comic Sans MS" panose="030F0702030302020204" pitchFamily="66" charset="0"/>
+              </a:rPr>
+              <a:t>Project Prototype</a:t>
+            </a:r>
+            <a:endParaRPr lang="en-US" sz="3600" u="sng" dirty="0" smtClean="0">
+              <a:latin typeface="Comic Sans MS" panose="030F0702030302020204" pitchFamily="66" charset="0"/>
+            </a:endParaRPr>
+          </a:p>
+        </p:txBody>
+      </p:sp>
+      <p:sp>
+        <p:nvSpPr>
+          <p:cNvPr id="3" name="TextBox 2"/>
+          <p:cNvSpPr txBox="1"/>
+          <p:nvPr/>
+        </p:nvSpPr>
+        <p:spPr>
+          <a:xfrm>
+            <a:off x="2518758" y="1820486"/>
+            <a:ext cx="6608618" cy="646331"/>
+          </a:xfrm>
+          <a:prstGeom prst="rect">
+            <a:avLst/>
+          </a:prstGeom>
+          <a:noFill/>
+        </p:spPr>
+        <p:txBody>
+          <a:bodyPr wrap="square" rtlCol="0">
+            <a:spAutoFit/>
+          </a:bodyPr>
+          <a:lstStyle/>
+          <a:p>
+            <a:endParaRPr lang="en-US" dirty="0">
+              <a:latin typeface="Comic Sans MS" panose="030F0702030302020204" pitchFamily="66" charset="0"/>
+            </a:endParaRPr>
+          </a:p>
+          <a:p>
+            <a:r>
+              <a:rPr lang="en-US" dirty="0" smtClean="0">
+                <a:latin typeface="Comic Sans MS" panose="030F0702030302020204" pitchFamily="66" charset="0"/>
+              </a:rPr>
+              <a:t>---</a:t>
+            </a:r>
+            <a:endParaRPr lang="en-US" dirty="0">
+              <a:latin typeface="Comic Sans MS" panose="030F0702030302020204" pitchFamily="66" charset="0"/>
+            </a:endParaRPr>
+          </a:p>
+        </p:txBody>
+      </p:sp>
+    </p:spTree>
+    <p:extLst>
+      <p:ext uri="{BB962C8B-B14F-4D97-AF65-F5344CB8AC3E}">
+        <p14:creationId xmlns:p14="http://schemas.microsoft.com/office/powerpoint/2010/main" val="1967007431"/>
       </p:ext>
     </p:extLst>
   </p:cSld>
@@ -7727,10 +7827,20 @@
           <a:p>
             <a:pPr algn="ctr"/>
             <a:r>
-              <a:rPr lang="en-US" sz="3600" u="sng" dirty="0" smtClean="0"/>
-              <a:t>Game Idea</a:t>
-            </a:r>
-            <a:endParaRPr lang="en-US" sz="3600" u="sng" dirty="0"/>
+              <a:rPr lang="en-US" sz="3600" u="sng" dirty="0" smtClean="0">
+                <a:latin typeface="Comic Sans MS" panose="030F0702030302020204" pitchFamily="66" charset="0"/>
+              </a:rPr>
+              <a:t>Game </a:t>
+            </a:r>
+            <a:r>
+              <a:rPr lang="en-US" sz="3600" u="sng" dirty="0" smtClean="0">
+                <a:latin typeface="Comic Sans MS" panose="030F0702030302020204" pitchFamily="66" charset="0"/>
+              </a:rPr>
+              <a:t>Idea</a:t>
+            </a:r>
+            <a:endParaRPr lang="en-US" sz="3600" u="sng" dirty="0">
+              <a:latin typeface="Comic Sans MS" panose="030F0702030302020204" pitchFamily="66" charset="0"/>
+            </a:endParaRPr>
           </a:p>
         </p:txBody>
       </p:sp>
@@ -7757,20 +7867,64 @@
           <a:lstStyle/>
           <a:p>
             <a:r>
-              <a:rPr lang="en-US" sz="2000" dirty="0"/>
+              <a:rPr lang="en-US" sz="2000" dirty="0">
+                <a:latin typeface="Comic Sans MS" panose="030F0702030302020204" pitchFamily="66" charset="0"/>
+              </a:rPr>
               <a:t>Our game will be a first person shooter. </a:t>
             </a:r>
             <a:r>
-              <a:rPr lang="en-US" sz="2000" dirty="0" smtClean="0"/>
+              <a:rPr lang="en-US" sz="2000" dirty="0" smtClean="0">
+                <a:latin typeface="Comic Sans MS" panose="030F0702030302020204" pitchFamily="66" charset="0"/>
+              </a:rPr>
               <a:t>You can only move left and right. </a:t>
             </a:r>
           </a:p>
           <a:p>
             <a:r>
-              <a:rPr lang="en-US" sz="2000" dirty="0" smtClean="0"/>
-              <a:t>Enemies will start spawning walking towards player. Player have to prevent the enemies to reach them.</a:t>
-            </a:r>
-            <a:endParaRPr lang="en-US" sz="2000" dirty="0"/>
+              <a:rPr lang="en-US" sz="2000" dirty="0" smtClean="0">
+                <a:latin typeface="Comic Sans MS" panose="030F0702030302020204" pitchFamily="66" charset="0"/>
+              </a:rPr>
+              <a:t>Enemies will start </a:t>
+            </a:r>
+            <a:r>
+              <a:rPr lang="en-US" sz="2000" dirty="0" smtClean="0">
+                <a:latin typeface="Comic Sans MS" panose="030F0702030302020204" pitchFamily="66" charset="0"/>
+              </a:rPr>
+              <a:t>spawning in th</a:t>
+            </a:r>
+            <a:r>
+              <a:rPr lang="en-US" sz="2000" dirty="0" smtClean="0">
+                <a:latin typeface="Comic Sans MS" panose="030F0702030302020204" pitchFamily="66" charset="0"/>
+              </a:rPr>
+              <a:t>e level</a:t>
+            </a:r>
+            <a:r>
+              <a:rPr lang="en-US" sz="2000" dirty="0" smtClean="0">
+                <a:latin typeface="Comic Sans MS" panose="030F0702030302020204" pitchFamily="66" charset="0"/>
+              </a:rPr>
+              <a:t> and starts walking </a:t>
+            </a:r>
+            <a:r>
+              <a:rPr lang="en-US" sz="2000" dirty="0" smtClean="0">
+                <a:latin typeface="Comic Sans MS" panose="030F0702030302020204" pitchFamily="66" charset="0"/>
+              </a:rPr>
+              <a:t>towards </a:t>
+            </a:r>
+            <a:r>
+              <a:rPr lang="en-US" sz="2000" dirty="0" smtClean="0">
+                <a:latin typeface="Comic Sans MS" panose="030F0702030302020204" pitchFamily="66" charset="0"/>
+              </a:rPr>
+              <a:t>the player</a:t>
+            </a:r>
+            <a:r>
+              <a:rPr lang="en-US" sz="2000" dirty="0" smtClean="0">
+                <a:latin typeface="Comic Sans MS" panose="030F0702030302020204" pitchFamily="66" charset="0"/>
+              </a:rPr>
+              <a:t>. Player have to prevent the enemies to reach them.</a:t>
+            </a:r>
+            <a:endParaRPr lang="en-US" sz="2000" dirty="0">
+              <a:latin typeface="Comic Sans MS" panose="030F0702030302020204" pitchFamily="66" charset="0"/>
+            </a:endParaRPr>
           </a:p>
         </p:txBody>
       </p:sp>
@@ -7812,7 +7966,7 @@
         </p:nvSpPr>
         <p:spPr>
           <a:xfrm>
-            <a:off x="3690849" y="374074"/>
+            <a:off x="3753194" y="324198"/>
             <a:ext cx="4206241" cy="646331"/>
           </a:xfrm>
           <a:prstGeom prst="rect">
@@ -7828,10 +7982,20 @@
           <a:p>
             <a:pPr algn="ctr"/>
             <a:r>
-              <a:rPr lang="en-US" sz="3600" u="sng" dirty="0" smtClean="0"/>
-              <a:t>Game Mechanics</a:t>
-            </a:r>
-            <a:endParaRPr lang="en-US" sz="3600" u="sng" dirty="0"/>
+              <a:rPr lang="en-US" sz="3600" u="sng" dirty="0" smtClean="0">
+                <a:latin typeface="Comic Sans MS" panose="030F0702030302020204" pitchFamily="66" charset="0"/>
+              </a:rPr>
+              <a:t>Game </a:t>
+            </a:r>
+            <a:r>
+              <a:rPr lang="en-US" sz="3600" u="sng" dirty="0" smtClean="0">
+                <a:latin typeface="Comic Sans MS" panose="030F0702030302020204" pitchFamily="66" charset="0"/>
+              </a:rPr>
+              <a:t>Mechanics</a:t>
+            </a:r>
+            <a:endParaRPr lang="en-US" sz="3600" u="sng" dirty="0">
+              <a:latin typeface="Comic Sans MS" panose="030F0702030302020204" pitchFamily="66" charset="0"/>
+            </a:endParaRPr>
           </a:p>
         </p:txBody>
       </p:sp>
@@ -7843,7 +8007,7 @@
         </p:nvSpPr>
         <p:spPr>
           <a:xfrm>
-            <a:off x="955962" y="1479665"/>
+            <a:off x="1122216" y="1787235"/>
             <a:ext cx="9800706" cy="3416320"/>
           </a:xfrm>
           <a:prstGeom prst="rect">
@@ -7862,7 +8026,9 @@
               <a:buChar char="•"/>
             </a:pPr>
             <a:r>
-              <a:rPr lang="en-US" sz="2400" dirty="0" smtClean="0"/>
+              <a:rPr lang="en-US" sz="2400" dirty="0" smtClean="0">
+                <a:latin typeface="Comic Sans MS" panose="030F0702030302020204" pitchFamily="66" charset="0"/>
+              </a:rPr>
               <a:t>Left click to shoot</a:t>
             </a:r>
           </a:p>
@@ -7871,7 +8037,9 @@
               <a:buFont typeface="Arial" panose="020B0604020202020204" pitchFamily="34" charset="0"/>
               <a:buChar char="•"/>
             </a:pPr>
-            <a:endParaRPr lang="en-US" sz="2400" dirty="0" smtClean="0"/>
+            <a:endParaRPr lang="en-US" sz="2400" dirty="0" smtClean="0">
+              <a:latin typeface="Comic Sans MS" panose="030F0702030302020204" pitchFamily="66" charset="0"/>
+            </a:endParaRPr>
           </a:p>
           <a:p>
             <a:pPr marL="285750" indent="-285750">
@@ -7879,7 +8047,9 @@
               <a:buChar char="•"/>
             </a:pPr>
             <a:r>
-              <a:rPr lang="en-US" sz="2400" dirty="0" smtClean="0"/>
+              <a:rPr lang="en-US" sz="2400" dirty="0" smtClean="0">
+                <a:latin typeface="Comic Sans MS" panose="030F0702030302020204" pitchFamily="66" charset="0"/>
+              </a:rPr>
               <a:t>A and D to move left and right </a:t>
             </a:r>
           </a:p>
@@ -7888,7 +8058,9 @@
               <a:buFont typeface="Arial" panose="020B0604020202020204" pitchFamily="34" charset="0"/>
               <a:buChar char="•"/>
             </a:pPr>
-            <a:endParaRPr lang="en-US" sz="2400" dirty="0" smtClean="0"/>
+            <a:endParaRPr lang="en-US" sz="2400" dirty="0" smtClean="0">
+              <a:latin typeface="Comic Sans MS" panose="030F0702030302020204" pitchFamily="66" charset="0"/>
+            </a:endParaRPr>
           </a:p>
           <a:p>
             <a:pPr marL="285750" indent="-285750">
@@ -7896,12 +8068,16 @@
               <a:buChar char="•"/>
             </a:pPr>
             <a:r>
-              <a:rPr lang="en-US" sz="2400" dirty="0" smtClean="0"/>
+              <a:rPr lang="en-US" sz="2400" dirty="0" smtClean="0">
+                <a:latin typeface="Comic Sans MS" panose="030F0702030302020204" pitchFamily="66" charset="0"/>
+              </a:rPr>
               <a:t>Gain health by shooting at health pack</a:t>
             </a:r>
           </a:p>
           <a:p>
-            <a:endParaRPr lang="en-US" sz="2400" dirty="0" smtClean="0"/>
+            <a:endParaRPr lang="en-US" sz="2400" dirty="0" smtClean="0">
+              <a:latin typeface="Comic Sans MS" panose="030F0702030302020204" pitchFamily="66" charset="0"/>
+            </a:endParaRPr>
           </a:p>
           <a:p>
             <a:pPr marL="285750" indent="-285750">
@@ -7909,7 +8085,9 @@
               <a:buChar char="•"/>
             </a:pPr>
             <a:r>
-              <a:rPr lang="en-US" sz="2400" dirty="0" smtClean="0"/>
+              <a:rPr lang="en-US" sz="2400" dirty="0" smtClean="0">
+                <a:latin typeface="Comic Sans MS" panose="030F0702030302020204" pitchFamily="66" charset="0"/>
+              </a:rPr>
               <a:t>Win Condition : Surviving a certain amount of time </a:t>
             </a:r>
           </a:p>
@@ -7918,7 +8096,9 @@
               <a:buFont typeface="Arial" panose="020B0604020202020204" pitchFamily="34" charset="0"/>
               <a:buChar char="•"/>
             </a:pPr>
-            <a:endParaRPr lang="en-US" sz="2400" dirty="0" smtClean="0"/>
+            <a:endParaRPr lang="en-US" sz="2400" dirty="0" smtClean="0">
+              <a:latin typeface="Comic Sans MS" panose="030F0702030302020204" pitchFamily="66" charset="0"/>
+            </a:endParaRPr>
           </a:p>
           <a:p>
             <a:pPr marL="285750" indent="-285750">
@@ -7926,10 +8106,14 @@
               <a:buChar char="•"/>
             </a:pPr>
             <a:r>
-              <a:rPr lang="en-US" sz="2400" dirty="0" smtClean="0"/>
+              <a:rPr lang="en-US" sz="2400" dirty="0" smtClean="0">
+                <a:latin typeface="Comic Sans MS" panose="030F0702030302020204" pitchFamily="66" charset="0"/>
+              </a:rPr>
               <a:t>Lose Condition : losing all the health</a:t>
             </a:r>
-            <a:endParaRPr lang="en-US" sz="2400" dirty="0"/>
+            <a:endParaRPr lang="en-US" sz="2400" dirty="0">
+              <a:latin typeface="Comic Sans MS" panose="030F0702030302020204" pitchFamily="66" charset="0"/>
+            </a:endParaRPr>
           </a:p>
         </p:txBody>
       </p:sp>
@@ -7987,10 +8171,167 @@
           <a:p>
             <a:pPr algn="ctr"/>
             <a:r>
+              <a:rPr lang="en-US" sz="3600" u="sng" dirty="0" smtClean="0">
+                <a:latin typeface="Comic Sans MS" panose="030F0702030302020204" pitchFamily="66" charset="0"/>
+              </a:rPr>
+              <a:t>Game </a:t>
+            </a:r>
+            <a:r>
+              <a:rPr lang="en-US" sz="3600" u="sng" dirty="0" smtClean="0">
+                <a:latin typeface="Comic Sans MS" panose="030F0702030302020204" pitchFamily="66" charset="0"/>
+              </a:rPr>
+              <a:t>Featur</a:t>
+            </a:r>
+            <a:r>
               <a:rPr lang="en-US" sz="3600" u="sng" dirty="0" smtClean="0"/>
-              <a:t>Game Features</a:t>
+              <a:t>es</a:t>
             </a:r>
             <a:endParaRPr lang="en-US" sz="3600" u="sng" dirty="0"/>
+          </a:p>
+        </p:txBody>
+      </p:sp>
+      <p:sp>
+        <p:nvSpPr>
+          <p:cNvPr id="3" name="TextBox 2"/>
+          <p:cNvSpPr txBox="1"/>
+          <p:nvPr/>
+        </p:nvSpPr>
+        <p:spPr>
+          <a:xfrm>
+            <a:off x="1978428" y="2136371"/>
+            <a:ext cx="8138160" cy="4062651"/>
+          </a:xfrm>
+          <a:prstGeom prst="rect">
+            <a:avLst/>
+          </a:prstGeom>
+          <a:noFill/>
+        </p:spPr>
+        <p:txBody>
+          <a:bodyPr wrap="square" rtlCol="0">
+            <a:spAutoFit/>
+          </a:bodyPr>
+          <a:lstStyle/>
+          <a:p>
+            <a:pPr marL="285750" indent="-285750">
+              <a:buFont typeface="Arial" panose="020B0604020202020204" pitchFamily="34" charset="0"/>
+              <a:buChar char="•"/>
+            </a:pPr>
+            <a:r>
+              <a:rPr lang="en-US" sz="2800" dirty="0" smtClean="0">
+                <a:latin typeface="Comic Sans MS" panose="030F0702030302020204" pitchFamily="66" charset="0"/>
+              </a:rPr>
+              <a:t>Enemies shoot back</a:t>
+            </a:r>
+          </a:p>
+          <a:p>
+            <a:pPr marL="285750" indent="-285750">
+              <a:buFont typeface="Arial" panose="020B0604020202020204" pitchFamily="34" charset="0"/>
+              <a:buChar char="•"/>
+            </a:pPr>
+            <a:endParaRPr lang="en-US" sz="2800" dirty="0">
+              <a:latin typeface="Comic Sans MS" panose="030F0702030302020204" pitchFamily="66" charset="0"/>
+            </a:endParaRPr>
+          </a:p>
+          <a:p>
+            <a:pPr marL="285750" indent="-285750">
+              <a:buFont typeface="Arial" panose="020B0604020202020204" pitchFamily="34" charset="0"/>
+              <a:buChar char="•"/>
+            </a:pPr>
+            <a:endParaRPr lang="en-US" sz="2800" dirty="0" smtClean="0">
+              <a:latin typeface="Comic Sans MS" panose="030F0702030302020204" pitchFamily="66" charset="0"/>
+            </a:endParaRPr>
+          </a:p>
+          <a:p>
+            <a:pPr marL="285750" indent="-285750">
+              <a:buFont typeface="Arial" panose="020B0604020202020204" pitchFamily="34" charset="0"/>
+              <a:buChar char="•"/>
+            </a:pPr>
+            <a:r>
+              <a:rPr lang="en-US" sz="2800" dirty="0" smtClean="0">
+                <a:latin typeface="Comic Sans MS" panose="030F0702030302020204" pitchFamily="66" charset="0"/>
+              </a:rPr>
+              <a:t>Countdown Timer</a:t>
+            </a:r>
+          </a:p>
+          <a:p>
+            <a:r>
+              <a:rPr lang="en-US" sz="1600" dirty="0">
+                <a:latin typeface="Comic Sans MS" panose="030F0702030302020204" pitchFamily="66" charset="0"/>
+              </a:rPr>
+              <a:t> </a:t>
+            </a:r>
+            <a:r>
+              <a:rPr lang="en-US" sz="1600" dirty="0" smtClean="0">
+                <a:latin typeface="Comic Sans MS" panose="030F0702030302020204" pitchFamily="66" charset="0"/>
+              </a:rPr>
+              <a:t>     </a:t>
+            </a:r>
+            <a:r>
+              <a:rPr lang="en-US" sz="2000" dirty="0" smtClean="0">
+                <a:latin typeface="Comic Sans MS" panose="030F0702030302020204" pitchFamily="66" charset="0"/>
+              </a:rPr>
+              <a:t>- If the player killed an enemy the countdown timer increases </a:t>
+            </a:r>
+          </a:p>
+          <a:p>
+            <a:r>
+              <a:rPr lang="en-US" sz="2000" dirty="0">
+                <a:latin typeface="Comic Sans MS" panose="030F0702030302020204" pitchFamily="66" charset="0"/>
+              </a:rPr>
+              <a:t> </a:t>
+            </a:r>
+            <a:r>
+              <a:rPr lang="en-US" sz="2000" dirty="0" smtClean="0">
+                <a:latin typeface="Comic Sans MS" panose="030F0702030302020204" pitchFamily="66" charset="0"/>
+              </a:rPr>
+              <a:t>      by a certain amount.</a:t>
+            </a:r>
+          </a:p>
+          <a:p>
+            <a:endParaRPr lang="en-US" sz="2000" dirty="0">
+              <a:latin typeface="Comic Sans MS" panose="030F0702030302020204" pitchFamily="66" charset="0"/>
+            </a:endParaRPr>
+          </a:p>
+          <a:p>
+            <a:pPr marL="342900" indent="-342900">
+              <a:buFont typeface="Arial" panose="020B0604020202020204" pitchFamily="34" charset="0"/>
+              <a:buChar char="•"/>
+            </a:pPr>
+            <a:r>
+              <a:rPr lang="en-US" sz="2800" dirty="0" smtClean="0">
+                <a:latin typeface="Comic Sans MS" panose="030F0702030302020204" pitchFamily="66" charset="0"/>
+              </a:rPr>
+              <a:t>Enemy speed increase</a:t>
+            </a:r>
+          </a:p>
+          <a:p>
+            <a:r>
+              <a:rPr lang="en-US" sz="2000" dirty="0" smtClean="0">
+                <a:latin typeface="Comic Sans MS" panose="030F0702030302020204" pitchFamily="66" charset="0"/>
+              </a:rPr>
+              <a:t>    - After a certain amount of time, the speed of the enemies</a:t>
+            </a:r>
+          </a:p>
+          <a:p>
+            <a:r>
+              <a:rPr lang="en-US" sz="2000" dirty="0">
+                <a:latin typeface="Comic Sans MS" panose="030F0702030302020204" pitchFamily="66" charset="0"/>
+              </a:rPr>
+              <a:t> </a:t>
+            </a:r>
+            <a:r>
+              <a:rPr lang="en-US" sz="2000" dirty="0" smtClean="0">
+                <a:latin typeface="Comic Sans MS" panose="030F0702030302020204" pitchFamily="66" charset="0"/>
+              </a:rPr>
+              <a:t>      increases.</a:t>
+            </a:r>
+          </a:p>
+          <a:p>
+            <a:pPr marL="285750" indent="-285750">
+              <a:buFont typeface="Arial" panose="020B0604020202020204" pitchFamily="34" charset="0"/>
+              <a:buChar char="•"/>
+            </a:pPr>
+            <a:endParaRPr lang="en-US" dirty="0"/>
           </a:p>
         </p:txBody>
       </p:sp>
@@ -8032,7 +8373,7 @@
         </p:nvSpPr>
         <p:spPr>
           <a:xfrm>
-            <a:off x="3690849" y="374074"/>
+            <a:off x="3582784" y="205055"/>
             <a:ext cx="3798917" cy="646331"/>
           </a:xfrm>
           <a:prstGeom prst="rect">
@@ -8048,7 +8389,9 @@
           <a:p>
             <a:pPr algn="ctr"/>
             <a:r>
-              <a:rPr lang="en-US" sz="3600" u="sng" dirty="0" smtClean="0"/>
+              <a:rPr lang="en-US" sz="3600" u="sng" dirty="0" smtClean="0">
+                <a:latin typeface="Comic Sans MS" panose="030F0702030302020204" pitchFamily="66" charset="0"/>
+              </a:rPr>
               <a:t>Art Style</a:t>
             </a:r>
           </a:p>
@@ -8077,8 +8420,90 @@
         </p:blipFill>
         <p:spPr bwMode="auto">
           <a:xfrm>
-            <a:off x="363393" y="1516385"/>
-            <a:ext cx="6137160" cy="3580010"/>
+            <a:off x="446521" y="1020405"/>
+            <a:ext cx="3975851" cy="2319247"/>
+          </a:xfrm>
+          <a:prstGeom prst="rect">
+            <a:avLst/>
+          </a:prstGeom>
+          <a:noFill/>
+          <a:extLst>
+            <a:ext uri="{909E8E84-426E-40DD-AFC4-6F175D3DCCD1}">
+              <a14:hiddenFill xmlns:a14="http://schemas.microsoft.com/office/drawing/2010/main">
+                <a:solidFill>
+                  <a:srgbClr val="FFFFFF"/>
+                </a:solidFill>
+              </a14:hiddenFill>
+            </a:ext>
+          </a:extLst>
+        </p:spPr>
+      </p:pic>
+      <p:pic>
+        <p:nvPicPr>
+          <p:cNvPr id="3" name="Picture 2" descr="Hands-On: Time Crisis 4 | WIRED"/>
+          <p:cNvPicPr>
+            <a:picLocks noChangeAspect="1" noChangeArrowheads="1"/>
+          </p:cNvPicPr>
+          <p:nvPr/>
+        </p:nvPicPr>
+        <p:blipFill>
+          <a:blip r:embed="rId3">
+            <a:extLst>
+              <a:ext uri="{28A0092B-C50C-407E-A947-70E740481C1C}">
+                <a14:useLocalDpi xmlns:a14="http://schemas.microsoft.com/office/drawing/2010/main" val="0"/>
+              </a:ext>
+            </a:extLst>
+          </a:blip>
+          <a:srcRect/>
+          <a:stretch>
+            <a:fillRect/>
+          </a:stretch>
+        </p:blipFill>
+        <p:spPr bwMode="auto">
+          <a:xfrm>
+            <a:off x="6024361" y="1020405"/>
+            <a:ext cx="5105861" cy="2872047"/>
+          </a:xfrm>
+          <a:prstGeom prst="rect">
+            <a:avLst/>
+          </a:prstGeom>
+          <a:noFill/>
+          <a:extLst>
+            <a:ext uri="{909E8E84-426E-40DD-AFC4-6F175D3DCCD1}">
+              <a14:hiddenFill xmlns:a14="http://schemas.microsoft.com/office/drawing/2010/main">
+                <a:solidFill>
+                  <a:srgbClr val="FFFFFF"/>
+                </a:solidFill>
+              </a14:hiddenFill>
+            </a:ext>
+          </a:extLst>
+        </p:spPr>
+      </p:pic>
+      <p:pic>
+        <p:nvPicPr>
+          <p:cNvPr id="1028" name="Picture 4" descr="Time Crisis 3 (Game) - Giant Bomb"/>
+          <p:cNvPicPr>
+            <a:picLocks noChangeAspect="1" noChangeArrowheads="1"/>
+          </p:cNvPicPr>
+          <p:nvPr/>
+        </p:nvPicPr>
+        <p:blipFill>
+          <a:blip r:embed="rId4">
+            <a:extLst>
+              <a:ext uri="{28A0092B-C50C-407E-A947-70E740481C1C}">
+                <a14:useLocalDpi xmlns:a14="http://schemas.microsoft.com/office/drawing/2010/main" val="0"/>
+              </a:ext>
+            </a:extLst>
+          </a:blip>
+          <a:srcRect/>
+          <a:stretch>
+            <a:fillRect/>
+          </a:stretch>
+        </p:blipFill>
+        <p:spPr bwMode="auto">
+          <a:xfrm>
+            <a:off x="621087" y="3677690"/>
+            <a:ext cx="4128324" cy="2895990"/>
           </a:xfrm>
           <a:prstGeom prst="rect">
             <a:avLst/>
@@ -8149,23 +8574,95 @@
           <a:p>
             <a:pPr algn="ctr"/>
             <a:r>
-              <a:rPr lang="en-US" sz="3600" u="sng" dirty="0" smtClean="0"/>
+              <a:rPr lang="en-US" sz="3600" u="sng" dirty="0" smtClean="0">
+                <a:latin typeface="Comic Sans MS" panose="030F0702030302020204" pitchFamily="66" charset="0"/>
+              </a:rPr>
               <a:t>Version Control</a:t>
             </a:r>
-            <a:endParaRPr lang="en-US" sz="3600" u="sng" dirty="0" smtClean="0"/>
-          </a:p>
-        </p:txBody>
-      </p:sp>
-      <p:sp>
-        <p:nvSpPr>
-          <p:cNvPr id="3" name="TextBox 2"/>
+          </a:p>
+        </p:txBody>
+      </p:sp>
+      <p:pic>
+        <p:nvPicPr>
+          <p:cNvPr id="2050" name="Picture 2" descr="GitHub Logo, symbol, meaning, history, PNG"/>
+          <p:cNvPicPr>
+            <a:picLocks noChangeAspect="1" noChangeArrowheads="1"/>
+          </p:cNvPicPr>
+          <p:nvPr/>
+        </p:nvPicPr>
+        <p:blipFill>
+          <a:blip r:embed="rId2">
+            <a:extLst>
+              <a:ext uri="{28A0092B-C50C-407E-A947-70E740481C1C}">
+                <a14:useLocalDpi xmlns:a14="http://schemas.microsoft.com/office/drawing/2010/main" val="0"/>
+              </a:ext>
+            </a:extLst>
+          </a:blip>
+          <a:srcRect/>
+          <a:stretch>
+            <a:fillRect/>
+          </a:stretch>
+        </p:blipFill>
+        <p:spPr bwMode="auto">
+          <a:xfrm>
+            <a:off x="2621838" y="2075982"/>
+            <a:ext cx="5936937" cy="2587683"/>
+          </a:xfrm>
+          <a:prstGeom prst="rect">
+            <a:avLst/>
+          </a:prstGeom>
+          <a:noFill/>
+          <a:extLst>
+            <a:ext uri="{909E8E84-426E-40DD-AFC4-6F175D3DCCD1}">
+              <a14:hiddenFill xmlns:a14="http://schemas.microsoft.com/office/drawing/2010/main">
+                <a:solidFill>
+                  <a:srgbClr val="FFFFFF"/>
+                </a:solidFill>
+              </a14:hiddenFill>
+            </a:ext>
+          </a:extLst>
+        </p:spPr>
+      </p:pic>
+    </p:spTree>
+    <p:extLst>
+      <p:ext uri="{BB962C8B-B14F-4D97-AF65-F5344CB8AC3E}">
+        <p14:creationId xmlns:p14="http://schemas.microsoft.com/office/powerpoint/2010/main" val="967081153"/>
+      </p:ext>
+    </p:extLst>
+  </p:cSld>
+  <p:clrMapOvr>
+    <a:masterClrMapping/>
+  </p:clrMapOvr>
+</p:sld>
+</file>
+
+<file path=ppt/slides/slide7.xml><?xml version="1.0" encoding="utf-8"?>
+<p:sld xmlns:a="http://schemas.openxmlformats.org/drawingml/2006/main" xmlns:r="http://schemas.openxmlformats.org/officeDocument/2006/relationships" xmlns:p="http://schemas.openxmlformats.org/presentationml/2006/main">
+  <p:cSld>
+    <p:spTree>
+      <p:nvGrpSpPr>
+        <p:cNvPr id="1" name=""/>
+        <p:cNvGrpSpPr/>
+        <p:nvPr/>
+      </p:nvGrpSpPr>
+      <p:grpSpPr>
+        <a:xfrm>
+          <a:off x="0" y="0"/>
+          <a:ext cx="0" cy="0"/>
+          <a:chOff x="0" y="0"/>
+          <a:chExt cx="0" cy="0"/>
+        </a:xfrm>
+      </p:grpSpPr>
+      <p:sp>
+        <p:nvSpPr>
+          <p:cNvPr id="2" name="TextBox 1"/>
           <p:cNvSpPr txBox="1"/>
           <p:nvPr/>
         </p:nvSpPr>
         <p:spPr>
           <a:xfrm>
-            <a:off x="2477193" y="1471352"/>
-            <a:ext cx="8188037" cy="369332"/>
+            <a:off x="3690849" y="374074"/>
+            <a:ext cx="4131427" cy="646331"/>
           </a:xfrm>
           <a:prstGeom prst="rect">
             <a:avLst/>
@@ -8178,18 +8675,899 @@
           </a:bodyPr>
           <a:lstStyle/>
           <a:p>
-            <a:r>
-              <a:rPr lang="en-US" dirty="0" smtClean="0"/>
-              <a:t>GitHub</a:t>
-            </a:r>
-            <a:endParaRPr lang="en-US" dirty="0"/>
+            <a:pPr algn="ctr"/>
+            <a:r>
+              <a:rPr lang="en-US" sz="3600" u="sng" dirty="0" smtClean="0">
+                <a:latin typeface="Comic Sans MS" panose="030F0702030302020204" pitchFamily="66" charset="0"/>
+              </a:rPr>
+              <a:t>Project Timeline</a:t>
+            </a:r>
+            <a:endParaRPr lang="en-US" sz="3600" u="sng" dirty="0" smtClean="0">
+              <a:latin typeface="Comic Sans MS" panose="030F0702030302020204" pitchFamily="66" charset="0"/>
+            </a:endParaRPr>
+          </a:p>
+        </p:txBody>
+      </p:sp>
+      <p:sp>
+        <p:nvSpPr>
+          <p:cNvPr id="3" name="TextBox 2"/>
+          <p:cNvSpPr txBox="1"/>
+          <p:nvPr/>
+        </p:nvSpPr>
+        <p:spPr>
+          <a:xfrm>
+            <a:off x="2452253" y="1928552"/>
+            <a:ext cx="6608617" cy="1754326"/>
+          </a:xfrm>
+          <a:prstGeom prst="rect">
+            <a:avLst/>
+          </a:prstGeom>
+          <a:noFill/>
+        </p:spPr>
+        <p:txBody>
+          <a:bodyPr wrap="square" rtlCol="0">
+            <a:spAutoFit/>
+          </a:bodyPr>
+          <a:lstStyle/>
+          <a:p>
+            <a:r>
+              <a:rPr lang="en-US" dirty="0" smtClean="0">
+                <a:latin typeface="Comic Sans MS" panose="030F0702030302020204" pitchFamily="66" charset="0"/>
+              </a:rPr>
+              <a:t>Week 1: Brainstorming ideas for the game, finding assets and </a:t>
+            </a:r>
+            <a:r>
+              <a:rPr lang="en-US" dirty="0">
+                <a:latin typeface="Comic Sans MS" panose="030F0702030302020204" pitchFamily="66" charset="0"/>
+              </a:rPr>
+              <a:t>c</a:t>
+            </a:r>
+            <a:r>
+              <a:rPr lang="en-US" dirty="0" smtClean="0">
+                <a:latin typeface="Comic Sans MS" panose="030F0702030302020204" pitchFamily="66" charset="0"/>
+              </a:rPr>
+              <a:t>reating the prototype </a:t>
+            </a:r>
+            <a:r>
+              <a:rPr lang="en-US" dirty="0" smtClean="0">
+                <a:latin typeface="Comic Sans MS" panose="030F0702030302020204" pitchFamily="66" charset="0"/>
+              </a:rPr>
+              <a:t>of what the game idea is.</a:t>
+            </a:r>
+          </a:p>
+          <a:p>
+            <a:endParaRPr lang="en-US" dirty="0">
+              <a:latin typeface="Comic Sans MS" panose="030F0702030302020204" pitchFamily="66" charset="0"/>
+            </a:endParaRPr>
+          </a:p>
+          <a:p>
+            <a:endParaRPr lang="en-US" dirty="0" smtClean="0">
+              <a:latin typeface="Comic Sans MS" panose="030F0702030302020204" pitchFamily="66" charset="0"/>
+            </a:endParaRPr>
+          </a:p>
+          <a:p>
+            <a:r>
+              <a:rPr lang="en-US" dirty="0" smtClean="0">
+                <a:latin typeface="Comic Sans MS" panose="030F0702030302020204" pitchFamily="66" charset="0"/>
+              </a:rPr>
+              <a:t>Week 2: Development of the game, debugging the game, fixing if there is a bug i</a:t>
+            </a:r>
+            <a:r>
+              <a:rPr lang="en-US" dirty="0" smtClean="0">
+                <a:latin typeface="Comic Sans MS" panose="030F0702030302020204" pitchFamily="66" charset="0"/>
+              </a:rPr>
+              <a:t>n the game. Creating </a:t>
+            </a:r>
+            <a:r>
+              <a:rPr lang="en-US" smtClean="0">
+                <a:latin typeface="Comic Sans MS" panose="030F0702030302020204" pitchFamily="66" charset="0"/>
+              </a:rPr>
+              <a:t>the test case.</a:t>
+            </a:r>
+            <a:endParaRPr lang="en-US" dirty="0">
+              <a:latin typeface="Comic Sans MS" panose="030F0702030302020204" pitchFamily="66" charset="0"/>
+            </a:endParaRPr>
           </a:p>
         </p:txBody>
       </p:sp>
     </p:spTree>
     <p:extLst>
       <p:ext uri="{BB962C8B-B14F-4D97-AF65-F5344CB8AC3E}">
-        <p14:creationId xmlns:p14="http://schemas.microsoft.com/office/powerpoint/2010/main" val="967081153"/>
+        <p14:creationId xmlns:p14="http://schemas.microsoft.com/office/powerpoint/2010/main" val="2506768376"/>
+      </p:ext>
+    </p:extLst>
+  </p:cSld>
+  <p:clrMapOvr>
+    <a:masterClrMapping/>
+  </p:clrMapOvr>
+</p:sld>
+</file>
+
+<file path=ppt/slides/slide8.xml><?xml version="1.0" encoding="utf-8"?>
+<p:sld xmlns:a="http://schemas.openxmlformats.org/drawingml/2006/main" xmlns:r="http://schemas.openxmlformats.org/officeDocument/2006/relationships" xmlns:p="http://schemas.openxmlformats.org/presentationml/2006/main">
+  <p:cSld>
+    <p:spTree>
+      <p:nvGrpSpPr>
+        <p:cNvPr id="1" name=""/>
+        <p:cNvGrpSpPr/>
+        <p:nvPr/>
+      </p:nvGrpSpPr>
+      <p:grpSpPr>
+        <a:xfrm>
+          <a:off x="0" y="0"/>
+          <a:ext cx="0" cy="0"/>
+          <a:chOff x="0" y="0"/>
+          <a:chExt cx="0" cy="0"/>
+        </a:xfrm>
+      </p:grpSpPr>
+      <p:sp>
+        <p:nvSpPr>
+          <p:cNvPr id="2" name="TextBox 1"/>
+          <p:cNvSpPr txBox="1"/>
+          <p:nvPr/>
+        </p:nvSpPr>
+        <p:spPr>
+          <a:xfrm>
+            <a:off x="3690849" y="374074"/>
+            <a:ext cx="4131427" cy="646331"/>
+          </a:xfrm>
+          <a:prstGeom prst="rect">
+            <a:avLst/>
+          </a:prstGeom>
+          <a:noFill/>
+        </p:spPr>
+        <p:txBody>
+          <a:bodyPr wrap="square" rtlCol="0">
+            <a:spAutoFit/>
+          </a:bodyPr>
+          <a:lstStyle/>
+          <a:p>
+            <a:pPr algn="ctr"/>
+            <a:r>
+              <a:rPr lang="en-US" sz="3600" u="sng" dirty="0" smtClean="0">
+                <a:latin typeface="Comic Sans MS" panose="030F0702030302020204" pitchFamily="66" charset="0"/>
+              </a:rPr>
+              <a:t>Project Workflow</a:t>
+            </a:r>
+            <a:endParaRPr lang="en-US" sz="3600" u="sng" dirty="0" smtClean="0">
+              <a:latin typeface="Comic Sans MS" panose="030F0702030302020204" pitchFamily="66" charset="0"/>
+            </a:endParaRPr>
+          </a:p>
+        </p:txBody>
+      </p:sp>
+      <p:sp>
+        <p:nvSpPr>
+          <p:cNvPr id="3" name="TextBox 2"/>
+          <p:cNvSpPr txBox="1"/>
+          <p:nvPr/>
+        </p:nvSpPr>
+        <p:spPr>
+          <a:xfrm>
+            <a:off x="1853739" y="1895300"/>
+            <a:ext cx="8478980" cy="2800767"/>
+          </a:xfrm>
+          <a:prstGeom prst="rect">
+            <a:avLst/>
+          </a:prstGeom>
+          <a:noFill/>
+        </p:spPr>
+        <p:txBody>
+          <a:bodyPr wrap="square" rtlCol="0">
+            <a:spAutoFit/>
+          </a:bodyPr>
+          <a:lstStyle/>
+          <a:p>
+            <a:r>
+              <a:rPr lang="en-US" sz="2000" dirty="0" smtClean="0">
+                <a:latin typeface="Comic Sans MS" panose="030F0702030302020204" pitchFamily="66" charset="0"/>
+              </a:rPr>
+              <a:t>Wynn: Player movement, Player mechanics, enemy spawning</a:t>
+            </a:r>
+            <a:br>
+              <a:rPr lang="en-US" sz="2000" dirty="0" smtClean="0">
+                <a:latin typeface="Comic Sans MS" panose="030F0702030302020204" pitchFamily="66" charset="0"/>
+              </a:rPr>
+            </a:br>
+            <a:r>
+              <a:rPr lang="en-US" sz="2000" dirty="0" smtClean="0">
+                <a:latin typeface="Comic Sans MS" panose="030F0702030302020204" pitchFamily="66" charset="0"/>
+              </a:rPr>
+              <a:t/>
+            </a:r>
+            <a:br>
+              <a:rPr lang="en-US" sz="2000" dirty="0" smtClean="0">
+                <a:latin typeface="Comic Sans MS" panose="030F0702030302020204" pitchFamily="66" charset="0"/>
+              </a:rPr>
+            </a:br>
+            <a:r>
+              <a:rPr lang="en-US" sz="2000" dirty="0" smtClean="0">
+                <a:latin typeface="Comic Sans MS" panose="030F0702030302020204" pitchFamily="66" charset="0"/>
+              </a:rPr>
+              <a:t>Lucas: Enhancement of the game </a:t>
+            </a:r>
+          </a:p>
+          <a:p>
+            <a:r>
+              <a:rPr lang="en-US" sz="2000" dirty="0">
+                <a:latin typeface="Comic Sans MS" panose="030F0702030302020204" pitchFamily="66" charset="0"/>
+              </a:rPr>
+              <a:t> </a:t>
+            </a:r>
+            <a:r>
+              <a:rPr lang="en-US" sz="2000" dirty="0" smtClean="0">
+                <a:latin typeface="Comic Sans MS" panose="030F0702030302020204" pitchFamily="66" charset="0"/>
+              </a:rPr>
+              <a:t>         </a:t>
+            </a:r>
+            <a:r>
+              <a:rPr lang="en-US" sz="2000" dirty="0" smtClean="0">
+                <a:latin typeface="Comic Sans MS" panose="030F0702030302020204" pitchFamily="66" charset="0"/>
+              </a:rPr>
+              <a:t>(Implementing the increase of the countdown timer,</a:t>
+            </a:r>
+          </a:p>
+          <a:p>
+            <a:r>
+              <a:rPr lang="en-US" sz="2000" dirty="0">
+                <a:latin typeface="Comic Sans MS" panose="030F0702030302020204" pitchFamily="66" charset="0"/>
+              </a:rPr>
+              <a:t> </a:t>
+            </a:r>
+            <a:r>
+              <a:rPr lang="en-US" sz="2000" dirty="0" smtClean="0">
+                <a:latin typeface="Comic Sans MS" panose="030F0702030302020204" pitchFamily="66" charset="0"/>
+              </a:rPr>
+              <a:t>         </a:t>
+            </a:r>
+            <a:r>
+              <a:rPr lang="en-US" sz="2000" dirty="0" smtClean="0">
+                <a:latin typeface="Comic Sans MS" panose="030F0702030302020204" pitchFamily="66" charset="0"/>
+              </a:rPr>
+              <a:t> increase the speed of the enemies, etc.)</a:t>
+            </a:r>
+            <a:br>
+              <a:rPr lang="en-US" sz="2000" dirty="0" smtClean="0">
+                <a:latin typeface="Comic Sans MS" panose="030F0702030302020204" pitchFamily="66" charset="0"/>
+              </a:rPr>
+            </a:br>
+            <a:r>
+              <a:rPr lang="en-US" sz="2000" dirty="0" smtClean="0">
+                <a:latin typeface="Comic Sans MS" panose="030F0702030302020204" pitchFamily="66" charset="0"/>
+              </a:rPr>
+              <a:t/>
+            </a:r>
+            <a:br>
+              <a:rPr lang="en-US" sz="2000" dirty="0" smtClean="0">
+                <a:latin typeface="Comic Sans MS" panose="030F0702030302020204" pitchFamily="66" charset="0"/>
+              </a:rPr>
+            </a:br>
+            <a:r>
+              <a:rPr lang="en-US" sz="2000" dirty="0" err="1" smtClean="0">
+                <a:latin typeface="Comic Sans MS" panose="030F0702030302020204" pitchFamily="66" charset="0"/>
+              </a:rPr>
+              <a:t>Vanness</a:t>
+            </a:r>
+            <a:r>
+              <a:rPr lang="en-US" sz="2000" dirty="0" smtClean="0">
+                <a:latin typeface="Comic Sans MS" panose="030F0702030302020204" pitchFamily="66" charset="0"/>
+              </a:rPr>
+              <a:t>: Finding of the assets and adding it into the game, Game UI.</a:t>
+            </a:r>
+          </a:p>
+          <a:p>
+            <a:endParaRPr lang="en-US" dirty="0">
+              <a:latin typeface="Comic Sans MS" panose="030F0702030302020204" pitchFamily="66" charset="0"/>
+            </a:endParaRPr>
+          </a:p>
+          <a:p>
+            <a:endParaRPr lang="en-US" dirty="0">
+              <a:latin typeface="Comic Sans MS" panose="030F0702030302020204" pitchFamily="66" charset="0"/>
+            </a:endParaRPr>
+          </a:p>
+        </p:txBody>
+      </p:sp>
+    </p:spTree>
+    <p:extLst>
+      <p:ext uri="{BB962C8B-B14F-4D97-AF65-F5344CB8AC3E}">
+        <p14:creationId xmlns:p14="http://schemas.microsoft.com/office/powerpoint/2010/main" val="1218743167"/>
+      </p:ext>
+    </p:extLst>
+  </p:cSld>
+  <p:clrMapOvr>
+    <a:masterClrMapping/>
+  </p:clrMapOvr>
+</p:sld>
+</file>
+
+<file path=ppt/slides/slide9.xml><?xml version="1.0" encoding="utf-8"?>
+<p:sld xmlns:a="http://schemas.openxmlformats.org/drawingml/2006/main" xmlns:r="http://schemas.openxmlformats.org/officeDocument/2006/relationships" xmlns:p="http://schemas.openxmlformats.org/presentationml/2006/main">
+  <p:cSld>
+    <p:spTree>
+      <p:nvGrpSpPr>
+        <p:cNvPr id="1" name=""/>
+        <p:cNvGrpSpPr/>
+        <p:nvPr/>
+      </p:nvGrpSpPr>
+      <p:grpSpPr>
+        <a:xfrm>
+          <a:off x="0" y="0"/>
+          <a:ext cx="0" cy="0"/>
+          <a:chOff x="0" y="0"/>
+          <a:chExt cx="0" cy="0"/>
+        </a:xfrm>
+      </p:grpSpPr>
+      <p:sp>
+        <p:nvSpPr>
+          <p:cNvPr id="2" name="TextBox 1"/>
+          <p:cNvSpPr txBox="1"/>
+          <p:nvPr/>
+        </p:nvSpPr>
+        <p:spPr>
+          <a:xfrm>
+            <a:off x="3690849" y="374074"/>
+            <a:ext cx="4131427" cy="646331"/>
+          </a:xfrm>
+          <a:prstGeom prst="rect">
+            <a:avLst/>
+          </a:prstGeom>
+          <a:noFill/>
+        </p:spPr>
+        <p:txBody>
+          <a:bodyPr wrap="square" rtlCol="0">
+            <a:spAutoFit/>
+          </a:bodyPr>
+          <a:lstStyle/>
+          <a:p>
+            <a:pPr algn="ctr"/>
+            <a:r>
+              <a:rPr lang="en-US" sz="3600" u="sng" dirty="0" smtClean="0">
+                <a:latin typeface="Comic Sans MS" panose="030F0702030302020204" pitchFamily="66" charset="0"/>
+              </a:rPr>
+              <a:t>Project Plan</a:t>
+            </a:r>
+            <a:endParaRPr lang="en-US" sz="3600" u="sng" dirty="0" smtClean="0">
+              <a:latin typeface="Comic Sans MS" panose="030F0702030302020204" pitchFamily="66" charset="0"/>
+            </a:endParaRPr>
+          </a:p>
+        </p:txBody>
+      </p:sp>
+      <p:sp>
+        <p:nvSpPr>
+          <p:cNvPr id="3" name="TextBox 2"/>
+          <p:cNvSpPr txBox="1"/>
+          <p:nvPr/>
+        </p:nvSpPr>
+        <p:spPr>
+          <a:xfrm>
+            <a:off x="2876205" y="1978427"/>
+            <a:ext cx="6608618" cy="646331"/>
+          </a:xfrm>
+          <a:prstGeom prst="rect">
+            <a:avLst/>
+          </a:prstGeom>
+          <a:noFill/>
+        </p:spPr>
+        <p:txBody>
+          <a:bodyPr wrap="square" rtlCol="0">
+            <a:spAutoFit/>
+          </a:bodyPr>
+          <a:lstStyle/>
+          <a:p>
+            <a:endParaRPr lang="en-US" dirty="0">
+              <a:latin typeface="Comic Sans MS" panose="030F0702030302020204" pitchFamily="66" charset="0"/>
+            </a:endParaRPr>
+          </a:p>
+          <a:p>
+            <a:endParaRPr lang="en-US" dirty="0">
+              <a:latin typeface="Comic Sans MS" panose="030F0702030302020204" pitchFamily="66" charset="0"/>
+            </a:endParaRPr>
+          </a:p>
+        </p:txBody>
+      </p:sp>
+      <p:graphicFrame>
+        <p:nvGraphicFramePr>
+          <p:cNvPr id="4" name="Table 3"/>
+          <p:cNvGraphicFramePr>
+            <a:graphicFrameLocks noGrp="1"/>
+          </p:cNvGraphicFramePr>
+          <p:nvPr>
+            <p:extLst>
+              <p:ext uri="{D42A27DB-BD31-4B8C-83A1-F6EECF244321}">
+                <p14:modId xmlns:p14="http://schemas.microsoft.com/office/powerpoint/2010/main" val="953772670"/>
+              </p:ext>
+            </p:extLst>
+          </p:nvPr>
+        </p:nvGraphicFramePr>
+        <p:xfrm>
+          <a:off x="1774306" y="1384684"/>
+          <a:ext cx="8127999" cy="3337560"/>
+        </p:xfrm>
+        <a:graphic>
+          <a:graphicData uri="http://schemas.openxmlformats.org/drawingml/2006/table">
+            <a:tbl>
+              <a:tblPr firstRow="1" bandRow="1">
+                <a:tableStyleId>{5C22544A-7EE6-4342-B048-85BDC9FD1C3A}</a:tableStyleId>
+              </a:tblPr>
+              <a:tblGrid>
+                <a:gridCol w="902392">
+                  <a:extLst>
+                    <a:ext uri="{9D8B030D-6E8A-4147-A177-3AD203B41FA5}">
+                      <a16:colId xmlns:a16="http://schemas.microsoft.com/office/drawing/2014/main" val="3298456589"/>
+                    </a:ext>
+                  </a:extLst>
+                </a:gridCol>
+                <a:gridCol w="997527">
+                  <a:extLst>
+                    <a:ext uri="{9D8B030D-6E8A-4147-A177-3AD203B41FA5}">
+                      <a16:colId xmlns:a16="http://schemas.microsoft.com/office/drawing/2014/main" val="2563574905"/>
+                    </a:ext>
+                  </a:extLst>
+                </a:gridCol>
+                <a:gridCol w="6228080">
+                  <a:extLst>
+                    <a:ext uri="{9D8B030D-6E8A-4147-A177-3AD203B41FA5}">
+                      <a16:colId xmlns:a16="http://schemas.microsoft.com/office/drawing/2014/main" val="3597134775"/>
+                    </a:ext>
+                  </a:extLst>
+                </a:gridCol>
+              </a:tblGrid>
+              <a:tr h="370840">
+                <a:tc>
+                  <a:txBody>
+                    <a:bodyPr/>
+                    <a:lstStyle/>
+                    <a:p>
+                      <a:r>
+                        <a:rPr lang="en-US" dirty="0" smtClean="0"/>
+                        <a:t>Day</a:t>
+                      </a:r>
+                      <a:endParaRPr lang="en-US" dirty="0"/>
+                    </a:p>
+                  </a:txBody>
+                  <a:tcPr/>
+                </a:tc>
+                <a:tc>
+                  <a:txBody>
+                    <a:bodyPr/>
+                    <a:lstStyle/>
+                    <a:p>
+                      <a:r>
+                        <a:rPr lang="en-US" dirty="0" smtClean="0"/>
+                        <a:t>Date</a:t>
+                      </a:r>
+                      <a:endParaRPr lang="en-US" dirty="0"/>
+                    </a:p>
+                  </a:txBody>
+                  <a:tcPr/>
+                </a:tc>
+                <a:tc>
+                  <a:txBody>
+                    <a:bodyPr/>
+                    <a:lstStyle/>
+                    <a:p>
+                      <a:r>
+                        <a:rPr lang="en-US" dirty="0" smtClean="0"/>
+                        <a:t>Things to do</a:t>
+                      </a:r>
+                      <a:endParaRPr lang="en-US" dirty="0"/>
+                    </a:p>
+                  </a:txBody>
+                  <a:tcPr/>
+                </a:tc>
+                <a:extLst>
+                  <a:ext uri="{0D108BD9-81ED-4DB2-BD59-A6C34878D82A}">
+                    <a16:rowId xmlns:a16="http://schemas.microsoft.com/office/drawing/2014/main" val="317828922"/>
+                  </a:ext>
+                </a:extLst>
+              </a:tr>
+              <a:tr h="370840">
+                <a:tc>
+                  <a:txBody>
+                    <a:bodyPr/>
+                    <a:lstStyle/>
+                    <a:p>
+                      <a:r>
+                        <a:rPr lang="en-US" dirty="0" smtClean="0"/>
+                        <a:t>Thurs</a:t>
+                      </a:r>
+                      <a:endParaRPr lang="en-US" dirty="0"/>
+                    </a:p>
+                  </a:txBody>
+                  <a:tcPr/>
+                </a:tc>
+                <a:tc>
+                  <a:txBody>
+                    <a:bodyPr/>
+                    <a:lstStyle/>
+                    <a:p>
+                      <a:r>
+                        <a:rPr lang="en-US" dirty="0" smtClean="0"/>
+                        <a:t>10/11</a:t>
+                      </a:r>
+                      <a:endParaRPr lang="en-US" dirty="0"/>
+                    </a:p>
+                  </a:txBody>
+                  <a:tcPr/>
+                </a:tc>
+                <a:tc>
+                  <a:txBody>
+                    <a:bodyPr/>
+                    <a:lstStyle/>
+                    <a:p>
+                      <a:r>
+                        <a:rPr lang="en-US" dirty="0" smtClean="0"/>
+                        <a:t>Presentation</a:t>
+                      </a:r>
+                      <a:endParaRPr lang="en-US" dirty="0"/>
+                    </a:p>
+                  </a:txBody>
+                  <a:tcPr/>
+                </a:tc>
+                <a:extLst>
+                  <a:ext uri="{0D108BD9-81ED-4DB2-BD59-A6C34878D82A}">
+                    <a16:rowId xmlns:a16="http://schemas.microsoft.com/office/drawing/2014/main" val="2630127458"/>
+                  </a:ext>
+                </a:extLst>
+              </a:tr>
+              <a:tr h="370840">
+                <a:tc>
+                  <a:txBody>
+                    <a:bodyPr/>
+                    <a:lstStyle/>
+                    <a:p>
+                      <a:r>
+                        <a:rPr lang="en-US" dirty="0" smtClean="0"/>
+                        <a:t>Fri</a:t>
+                      </a:r>
+                      <a:endParaRPr lang="en-US" dirty="0"/>
+                    </a:p>
+                  </a:txBody>
+                  <a:tcPr/>
+                </a:tc>
+                <a:tc>
+                  <a:txBody>
+                    <a:bodyPr/>
+                    <a:lstStyle/>
+                    <a:p>
+                      <a:r>
+                        <a:rPr lang="en-US" dirty="0" smtClean="0"/>
+                        <a:t>11/11</a:t>
+                      </a:r>
+                      <a:endParaRPr lang="en-US" dirty="0"/>
+                    </a:p>
+                  </a:txBody>
+                  <a:tcPr/>
+                </a:tc>
+                <a:tc>
+                  <a:txBody>
+                    <a:bodyPr/>
+                    <a:lstStyle/>
+                    <a:p>
+                      <a:r>
+                        <a:rPr lang="en-US" dirty="0" smtClean="0"/>
+                        <a:t>Idea creation</a:t>
+                      </a:r>
+                      <a:endParaRPr lang="en-US" dirty="0"/>
+                    </a:p>
+                  </a:txBody>
+                  <a:tcPr/>
+                </a:tc>
+                <a:extLst>
+                  <a:ext uri="{0D108BD9-81ED-4DB2-BD59-A6C34878D82A}">
+                    <a16:rowId xmlns:a16="http://schemas.microsoft.com/office/drawing/2014/main" val="301583913"/>
+                  </a:ext>
+                </a:extLst>
+              </a:tr>
+              <a:tr h="370840">
+                <a:tc>
+                  <a:txBody>
+                    <a:bodyPr/>
+                    <a:lstStyle/>
+                    <a:p>
+                      <a:r>
+                        <a:rPr lang="en-US" dirty="0" smtClean="0"/>
+                        <a:t>Sat</a:t>
+                      </a:r>
+                      <a:endParaRPr lang="en-US" dirty="0"/>
+                    </a:p>
+                  </a:txBody>
+                  <a:tcPr/>
+                </a:tc>
+                <a:tc>
+                  <a:txBody>
+                    <a:bodyPr/>
+                    <a:lstStyle/>
+                    <a:p>
+                      <a:r>
+                        <a:rPr lang="en-US" dirty="0" smtClean="0"/>
+                        <a:t>12/11</a:t>
+                      </a:r>
+                      <a:endParaRPr lang="en-US" dirty="0"/>
+                    </a:p>
+                  </a:txBody>
+                  <a:tcPr/>
+                </a:tc>
+                <a:tc>
+                  <a:txBody>
+                    <a:bodyPr/>
+                    <a:lstStyle/>
+                    <a:p>
+                      <a:r>
+                        <a:rPr lang="en-US" dirty="0" smtClean="0"/>
+                        <a:t>Idea</a:t>
+                      </a:r>
+                      <a:r>
+                        <a:rPr lang="en-US" baseline="0" dirty="0" smtClean="0"/>
+                        <a:t> Creation</a:t>
+                      </a:r>
+                      <a:endParaRPr lang="en-US" dirty="0"/>
+                    </a:p>
+                  </a:txBody>
+                  <a:tcPr/>
+                </a:tc>
+                <a:extLst>
+                  <a:ext uri="{0D108BD9-81ED-4DB2-BD59-A6C34878D82A}">
+                    <a16:rowId xmlns:a16="http://schemas.microsoft.com/office/drawing/2014/main" val="868321581"/>
+                  </a:ext>
+                </a:extLst>
+              </a:tr>
+              <a:tr h="370840">
+                <a:tc>
+                  <a:txBody>
+                    <a:bodyPr/>
+                    <a:lstStyle/>
+                    <a:p>
+                      <a:r>
+                        <a:rPr lang="en-US" dirty="0" smtClean="0"/>
+                        <a:t>Sun</a:t>
+                      </a:r>
+                      <a:endParaRPr lang="en-US" dirty="0"/>
+                    </a:p>
+                  </a:txBody>
+                  <a:tcPr/>
+                </a:tc>
+                <a:tc>
+                  <a:txBody>
+                    <a:bodyPr/>
+                    <a:lstStyle/>
+                    <a:p>
+                      <a:r>
+                        <a:rPr lang="en-US" dirty="0" smtClean="0"/>
+                        <a:t>13/11</a:t>
+                      </a:r>
+                      <a:endParaRPr lang="en-US" dirty="0"/>
+                    </a:p>
+                  </a:txBody>
+                  <a:tcPr/>
+                </a:tc>
+                <a:tc>
+                  <a:txBody>
+                    <a:bodyPr/>
+                    <a:lstStyle/>
+                    <a:p>
+                      <a:r>
+                        <a:rPr lang="en-US" dirty="0" smtClean="0"/>
+                        <a:t>Idea Creation</a:t>
+                      </a:r>
+                      <a:endParaRPr lang="en-US" dirty="0"/>
+                    </a:p>
+                  </a:txBody>
+                  <a:tcPr/>
+                </a:tc>
+                <a:extLst>
+                  <a:ext uri="{0D108BD9-81ED-4DB2-BD59-A6C34878D82A}">
+                    <a16:rowId xmlns:a16="http://schemas.microsoft.com/office/drawing/2014/main" val="4031356944"/>
+                  </a:ext>
+                </a:extLst>
+              </a:tr>
+              <a:tr h="370840">
+                <a:tc>
+                  <a:txBody>
+                    <a:bodyPr/>
+                    <a:lstStyle/>
+                    <a:p>
+                      <a:r>
+                        <a:rPr lang="en-US" dirty="0" smtClean="0"/>
+                        <a:t>Mon</a:t>
+                      </a:r>
+                      <a:endParaRPr lang="en-US" dirty="0"/>
+                    </a:p>
+                  </a:txBody>
+                  <a:tcPr/>
+                </a:tc>
+                <a:tc>
+                  <a:txBody>
+                    <a:bodyPr/>
+                    <a:lstStyle/>
+                    <a:p>
+                      <a:r>
+                        <a:rPr lang="en-US" dirty="0" smtClean="0"/>
+                        <a:t>14/11</a:t>
+                      </a:r>
+                      <a:endParaRPr lang="en-US" dirty="0"/>
+                    </a:p>
+                  </a:txBody>
+                  <a:tcPr/>
+                </a:tc>
+                <a:tc>
+                  <a:txBody>
+                    <a:bodyPr/>
+                    <a:lstStyle/>
+                    <a:p>
+                      <a:r>
+                        <a:rPr lang="en-US" dirty="0" smtClean="0"/>
+                        <a:t>Idea implementation</a:t>
+                      </a:r>
+                      <a:endParaRPr lang="en-US" dirty="0"/>
+                    </a:p>
+                  </a:txBody>
+                  <a:tcPr/>
+                </a:tc>
+                <a:extLst>
+                  <a:ext uri="{0D108BD9-81ED-4DB2-BD59-A6C34878D82A}">
+                    <a16:rowId xmlns:a16="http://schemas.microsoft.com/office/drawing/2014/main" val="3166504557"/>
+                  </a:ext>
+                </a:extLst>
+              </a:tr>
+              <a:tr h="370840">
+                <a:tc>
+                  <a:txBody>
+                    <a:bodyPr/>
+                    <a:lstStyle/>
+                    <a:p>
+                      <a:r>
+                        <a:rPr lang="en-US" dirty="0" smtClean="0"/>
+                        <a:t>Tues</a:t>
+                      </a:r>
+                      <a:endParaRPr lang="en-US" dirty="0"/>
+                    </a:p>
+                  </a:txBody>
+                  <a:tcPr/>
+                </a:tc>
+                <a:tc>
+                  <a:txBody>
+                    <a:bodyPr/>
+                    <a:lstStyle/>
+                    <a:p>
+                      <a:r>
+                        <a:rPr lang="en-US" dirty="0" smtClean="0"/>
+                        <a:t>15/11</a:t>
+                      </a:r>
+                      <a:endParaRPr lang="en-US" dirty="0"/>
+                    </a:p>
+                  </a:txBody>
+                  <a:tcPr/>
+                </a:tc>
+                <a:tc>
+                  <a:txBody>
+                    <a:bodyPr/>
+                    <a:lstStyle/>
+                    <a:p>
+                      <a:r>
+                        <a:rPr lang="en-US" dirty="0" smtClean="0"/>
+                        <a:t>Adding assets</a:t>
+                      </a:r>
+                      <a:endParaRPr lang="en-US" dirty="0"/>
+                    </a:p>
+                  </a:txBody>
+                  <a:tcPr/>
+                </a:tc>
+                <a:extLst>
+                  <a:ext uri="{0D108BD9-81ED-4DB2-BD59-A6C34878D82A}">
+                    <a16:rowId xmlns:a16="http://schemas.microsoft.com/office/drawing/2014/main" val="4050181241"/>
+                  </a:ext>
+                </a:extLst>
+              </a:tr>
+              <a:tr h="370840">
+                <a:tc>
+                  <a:txBody>
+                    <a:bodyPr/>
+                    <a:lstStyle/>
+                    <a:p>
+                      <a:r>
+                        <a:rPr lang="en-US" dirty="0" smtClean="0"/>
+                        <a:t>Wed</a:t>
+                      </a:r>
+                      <a:endParaRPr lang="en-US" dirty="0"/>
+                    </a:p>
+                  </a:txBody>
+                  <a:tcPr/>
+                </a:tc>
+                <a:tc>
+                  <a:txBody>
+                    <a:bodyPr/>
+                    <a:lstStyle/>
+                    <a:p>
+                      <a:r>
+                        <a:rPr lang="en-US" dirty="0" smtClean="0"/>
+                        <a:t>16/11</a:t>
+                      </a:r>
+                      <a:endParaRPr lang="en-US" dirty="0"/>
+                    </a:p>
+                  </a:txBody>
+                  <a:tcPr/>
+                </a:tc>
+                <a:tc>
+                  <a:txBody>
+                    <a:bodyPr/>
+                    <a:lstStyle/>
+                    <a:p>
+                      <a:r>
+                        <a:rPr lang="en-US" dirty="0" smtClean="0"/>
+                        <a:t>Fixing the game if there is a</a:t>
+                      </a:r>
+                      <a:r>
+                        <a:rPr lang="en-US" baseline="0" dirty="0" smtClean="0"/>
+                        <a:t> bug</a:t>
+                      </a:r>
+                      <a:endParaRPr lang="en-US" dirty="0"/>
+                    </a:p>
+                  </a:txBody>
+                  <a:tcPr/>
+                </a:tc>
+                <a:extLst>
+                  <a:ext uri="{0D108BD9-81ED-4DB2-BD59-A6C34878D82A}">
+                    <a16:rowId xmlns:a16="http://schemas.microsoft.com/office/drawing/2014/main" val="226777511"/>
+                  </a:ext>
+                </a:extLst>
+              </a:tr>
+              <a:tr h="370840">
+                <a:tc>
+                  <a:txBody>
+                    <a:bodyPr/>
+                    <a:lstStyle/>
+                    <a:p>
+                      <a:r>
+                        <a:rPr lang="en-US" dirty="0" smtClean="0"/>
+                        <a:t>Thurs</a:t>
+                      </a:r>
+                      <a:endParaRPr lang="en-US" dirty="0"/>
+                    </a:p>
+                  </a:txBody>
+                  <a:tcPr/>
+                </a:tc>
+                <a:tc>
+                  <a:txBody>
+                    <a:bodyPr/>
+                    <a:lstStyle/>
+                    <a:p>
+                      <a:r>
+                        <a:rPr lang="en-US" dirty="0" smtClean="0"/>
+                        <a:t>17/11</a:t>
+                      </a:r>
+                      <a:endParaRPr lang="en-US" dirty="0"/>
+                    </a:p>
+                  </a:txBody>
+                  <a:tcPr/>
+                </a:tc>
+                <a:tc>
+                  <a:txBody>
+                    <a:bodyPr/>
+                    <a:lstStyle/>
+                    <a:p>
+                      <a:r>
+                        <a:rPr lang="en-US" dirty="0" smtClean="0"/>
+                        <a:t>Finalizing the game and Test cases</a:t>
+                      </a:r>
+                      <a:endParaRPr lang="en-US" dirty="0"/>
+                    </a:p>
+                  </a:txBody>
+                  <a:tcPr/>
+                </a:tc>
+                <a:extLst>
+                  <a:ext uri="{0D108BD9-81ED-4DB2-BD59-A6C34878D82A}">
+                    <a16:rowId xmlns:a16="http://schemas.microsoft.com/office/drawing/2014/main" val="4114312445"/>
+                  </a:ext>
+                </a:extLst>
+              </a:tr>
+            </a:tbl>
+          </a:graphicData>
+        </a:graphic>
+      </p:graphicFrame>
+    </p:spTree>
+    <p:extLst>
+      <p:ext uri="{BB962C8B-B14F-4D97-AF65-F5344CB8AC3E}">
+        <p14:creationId xmlns:p14="http://schemas.microsoft.com/office/powerpoint/2010/main" val="947010186"/>
       </p:ext>
     </p:extLst>
   </p:cSld>
